--- a/设计图.pptx
+++ b/设计图.pptx
@@ -110,6 +110,11 @@
       </a:defRPr>
     </a:lvl9pPr>
   </p:defaultTextStyle>
+  <p:extLst>
+    <p:ext uri="{EFAFB233-063F-42B5-8137-9DF3F51BA10A}">
+      <p15:sldGuideLst xmlns:p15="http://schemas.microsoft.com/office/powerpoint/2012/main"/>
+    </p:ext>
+  </p:extLst>
 </p:presentation>
 </file>
 
@@ -260,7 +265,7 @@
           <a:p>
             <a:fld id="{8DD50AB3-54C0-4202-A47C-DF7CF0AA53D4}" type="datetimeFigureOut">
               <a:rPr lang="zh-CN" altLang="en-US" smtClean="0"/>
-              <a:t>2020/5/8</a:t>
+              <a:t>2020/5/18</a:t>
             </a:fld>
             <a:endParaRPr lang="zh-CN" altLang="en-US"/>
           </a:p>
@@ -458,7 +463,7 @@
           <a:p>
             <a:fld id="{8DD50AB3-54C0-4202-A47C-DF7CF0AA53D4}" type="datetimeFigureOut">
               <a:rPr lang="zh-CN" altLang="en-US" smtClean="0"/>
-              <a:t>2020/5/8</a:t>
+              <a:t>2020/5/18</a:t>
             </a:fld>
             <a:endParaRPr lang="zh-CN" altLang="en-US"/>
           </a:p>
@@ -666,7 +671,7 @@
           <a:p>
             <a:fld id="{8DD50AB3-54C0-4202-A47C-DF7CF0AA53D4}" type="datetimeFigureOut">
               <a:rPr lang="zh-CN" altLang="en-US" smtClean="0"/>
-              <a:t>2020/5/8</a:t>
+              <a:t>2020/5/18</a:t>
             </a:fld>
             <a:endParaRPr lang="zh-CN" altLang="en-US"/>
           </a:p>
@@ -864,7 +869,7 @@
           <a:p>
             <a:fld id="{8DD50AB3-54C0-4202-A47C-DF7CF0AA53D4}" type="datetimeFigureOut">
               <a:rPr lang="zh-CN" altLang="en-US" smtClean="0"/>
-              <a:t>2020/5/8</a:t>
+              <a:t>2020/5/18</a:t>
             </a:fld>
             <a:endParaRPr lang="zh-CN" altLang="en-US"/>
           </a:p>
@@ -1139,7 +1144,7 @@
           <a:p>
             <a:fld id="{8DD50AB3-54C0-4202-A47C-DF7CF0AA53D4}" type="datetimeFigureOut">
               <a:rPr lang="zh-CN" altLang="en-US" smtClean="0"/>
-              <a:t>2020/5/8</a:t>
+              <a:t>2020/5/18</a:t>
             </a:fld>
             <a:endParaRPr lang="zh-CN" altLang="en-US"/>
           </a:p>
@@ -1404,7 +1409,7 @@
           <a:p>
             <a:fld id="{8DD50AB3-54C0-4202-A47C-DF7CF0AA53D4}" type="datetimeFigureOut">
               <a:rPr lang="zh-CN" altLang="en-US" smtClean="0"/>
-              <a:t>2020/5/8</a:t>
+              <a:t>2020/5/18</a:t>
             </a:fld>
             <a:endParaRPr lang="zh-CN" altLang="en-US"/>
           </a:p>
@@ -1816,7 +1821,7 @@
           <a:p>
             <a:fld id="{8DD50AB3-54C0-4202-A47C-DF7CF0AA53D4}" type="datetimeFigureOut">
               <a:rPr lang="zh-CN" altLang="en-US" smtClean="0"/>
-              <a:t>2020/5/8</a:t>
+              <a:t>2020/5/18</a:t>
             </a:fld>
             <a:endParaRPr lang="zh-CN" altLang="en-US"/>
           </a:p>
@@ -1957,7 +1962,7 @@
           <a:p>
             <a:fld id="{8DD50AB3-54C0-4202-A47C-DF7CF0AA53D4}" type="datetimeFigureOut">
               <a:rPr lang="zh-CN" altLang="en-US" smtClean="0"/>
-              <a:t>2020/5/8</a:t>
+              <a:t>2020/5/18</a:t>
             </a:fld>
             <a:endParaRPr lang="zh-CN" altLang="en-US"/>
           </a:p>
@@ -2070,7 +2075,7 @@
           <a:p>
             <a:fld id="{8DD50AB3-54C0-4202-A47C-DF7CF0AA53D4}" type="datetimeFigureOut">
               <a:rPr lang="zh-CN" altLang="en-US" smtClean="0"/>
-              <a:t>2020/5/8</a:t>
+              <a:t>2020/5/18</a:t>
             </a:fld>
             <a:endParaRPr lang="zh-CN" altLang="en-US"/>
           </a:p>
@@ -2381,7 +2386,7 @@
           <a:p>
             <a:fld id="{8DD50AB3-54C0-4202-A47C-DF7CF0AA53D4}" type="datetimeFigureOut">
               <a:rPr lang="zh-CN" altLang="en-US" smtClean="0"/>
-              <a:t>2020/5/8</a:t>
+              <a:t>2020/5/18</a:t>
             </a:fld>
             <a:endParaRPr lang="zh-CN" altLang="en-US"/>
           </a:p>
@@ -2669,7 +2674,7 @@
           <a:p>
             <a:fld id="{8DD50AB3-54C0-4202-A47C-DF7CF0AA53D4}" type="datetimeFigureOut">
               <a:rPr lang="zh-CN" altLang="en-US" smtClean="0"/>
-              <a:t>2020/5/8</a:t>
+              <a:t>2020/5/18</a:t>
             </a:fld>
             <a:endParaRPr lang="zh-CN" altLang="en-US"/>
           </a:p>
@@ -2910,7 +2915,7 @@
           <a:p>
             <a:fld id="{8DD50AB3-54C0-4202-A47C-DF7CF0AA53D4}" type="datetimeFigureOut">
               <a:rPr lang="zh-CN" altLang="en-US" smtClean="0"/>
-              <a:t>2020/5/8</a:t>
+              <a:t>2020/5/18</a:t>
             </a:fld>
             <a:endParaRPr lang="zh-CN" altLang="en-US"/>
           </a:p>
@@ -3416,10 +3421,10 @@
       </p:grpSpPr>
       <p:pic>
         <p:nvPicPr>
-          <p:cNvPr id="4" name="图片 3">
-            <a:extLst>
-              <a:ext uri="{FF2B5EF4-FFF2-40B4-BE49-F238E27FC236}">
-                <a16:creationId xmlns:a16="http://schemas.microsoft.com/office/drawing/2014/main" id="{4283C8CC-3112-49D5-8C54-C656F593B650}"/>
+          <p:cNvPr id="3" name="图片 2">
+            <a:extLst>
+              <a:ext uri="{FF2B5EF4-FFF2-40B4-BE49-F238E27FC236}">
+                <a16:creationId xmlns:a16="http://schemas.microsoft.com/office/drawing/2014/main" id="{C63A7CB6-475B-408E-92AF-C292BA0E0EFA}"/>
               </a:ext>
             </a:extLst>
           </p:cNvPr>
@@ -3428,16 +3433,21 @@
           </p:cNvPicPr>
           <p:nvPr/>
         </p:nvPicPr>
-        <p:blipFill>
-          <a:blip r:embed="rId2"/>
-          <a:stretch>
-            <a:fillRect/>
-          </a:stretch>
+        <p:blipFill rotWithShape="1">
+          <a:blip r:embed="rId2">
+            <a:extLst>
+              <a:ext uri="{28A0092B-C50C-407E-A947-70E740481C1C}">
+                <a14:useLocalDpi xmlns:a14="http://schemas.microsoft.com/office/drawing/2010/main" val="0"/>
+              </a:ext>
+            </a:extLst>
+          </a:blip>
+          <a:srcRect l="10074" t="14371" r="10074" b="5777"/>
+          <a:stretch/>
         </p:blipFill>
         <p:spPr>
           <a:xfrm>
-            <a:off x="0" y="676275"/>
-            <a:ext cx="12192000" cy="5505450"/>
+            <a:off x="0" y="0"/>
+            <a:ext cx="12192000" cy="6858000"/>
           </a:xfrm>
           <a:prstGeom prst="rect">
             <a:avLst/>
@@ -3458,8 +3468,8 @@
         </p:nvSpPr>
         <p:spPr>
           <a:xfrm>
-            <a:off x="3708400" y="2418080"/>
-            <a:ext cx="4765040" cy="1209040"/>
+            <a:off x="3830320" y="3429000"/>
+            <a:ext cx="4551680" cy="2402840"/>
           </a:xfrm>
           <a:prstGeom prst="rect">
             <a:avLst/>
@@ -3518,15 +3528,15 @@
         </p:nvSpPr>
         <p:spPr>
           <a:xfrm>
-            <a:off x="7355840" y="4078414"/>
+            <a:off x="8788400" y="5744654"/>
             <a:ext cx="1859280" cy="612648"/>
           </a:xfrm>
           <a:prstGeom prst="accentCallout1">
             <a:avLst>
               <a:gd name="adj1" fmla="val 18750"/>
               <a:gd name="adj2" fmla="val -8333"/>
-              <a:gd name="adj3" fmla="val -46704"/>
-              <a:gd name="adj4" fmla="val -36694"/>
+              <a:gd name="adj3" fmla="val 59432"/>
+              <a:gd name="adj4" fmla="val -79863"/>
             </a:avLst>
           </a:prstGeom>
           <a:noFill/>
@@ -3584,8 +3594,8 @@
         </p:nvSpPr>
         <p:spPr>
           <a:xfrm>
-            <a:off x="3830320" y="2804160"/>
-            <a:ext cx="4551680" cy="624840"/>
+            <a:off x="3891280" y="3728720"/>
+            <a:ext cx="4409440" cy="1483360"/>
           </a:xfrm>
           <a:prstGeom prst="rect">
             <a:avLst/>
@@ -3662,10 +3672,10 @@
       </p:grpSpPr>
       <p:pic>
         <p:nvPicPr>
-          <p:cNvPr id="2" name="图片 1">
-            <a:extLst>
-              <a:ext uri="{FF2B5EF4-FFF2-40B4-BE49-F238E27FC236}">
-                <a16:creationId xmlns:a16="http://schemas.microsoft.com/office/drawing/2014/main" id="{02DD61B0-5A6F-4727-A2DA-440D8F648668}"/>
+          <p:cNvPr id="4" name="图片 3">
+            <a:extLst>
+              <a:ext uri="{FF2B5EF4-FFF2-40B4-BE49-F238E27FC236}">
+                <a16:creationId xmlns:a16="http://schemas.microsoft.com/office/drawing/2014/main" id="{0BA361CC-6104-4DE8-9590-9E08EE747B71}"/>
               </a:ext>
             </a:extLst>
           </p:cNvPr>
@@ -3674,16 +3684,21 @@
           </p:cNvPicPr>
           <p:nvPr/>
         </p:nvPicPr>
-        <p:blipFill>
-          <a:blip r:embed="rId2"/>
-          <a:stretch>
-            <a:fillRect/>
-          </a:stretch>
+        <p:blipFill rotWithShape="1">
+          <a:blip r:embed="rId2">
+            <a:extLst>
+              <a:ext uri="{28A0092B-C50C-407E-A947-70E740481C1C}">
+                <a14:useLocalDpi xmlns:a14="http://schemas.microsoft.com/office/drawing/2010/main" val="0"/>
+              </a:ext>
+            </a:extLst>
+          </a:blip>
+          <a:srcRect l="10037" t="14444" r="10037" b="5630"/>
+          <a:stretch/>
         </p:blipFill>
         <p:spPr>
           <a:xfrm>
-            <a:off x="0" y="676275"/>
-            <a:ext cx="12192000" cy="5505450"/>
+            <a:off x="0" y="0"/>
+            <a:ext cx="12192000" cy="6858000"/>
           </a:xfrm>
           <a:prstGeom prst="rect">
             <a:avLst/>
@@ -3692,10 +3707,10 @@
       </p:pic>
       <p:sp>
         <p:nvSpPr>
-          <p:cNvPr id="5" name="矩形 4">
-            <a:extLst>
-              <a:ext uri="{FF2B5EF4-FFF2-40B4-BE49-F238E27FC236}">
-                <a16:creationId xmlns:a16="http://schemas.microsoft.com/office/drawing/2014/main" id="{5E11B5BC-816C-4A94-9EDA-652926E61275}"/>
+          <p:cNvPr id="8" name="矩形 7">
+            <a:extLst>
+              <a:ext uri="{FF2B5EF4-FFF2-40B4-BE49-F238E27FC236}">
+                <a16:creationId xmlns:a16="http://schemas.microsoft.com/office/drawing/2014/main" id="{CA750DAC-FC7A-4629-9114-5B1692E40C97}"/>
               </a:ext>
             </a:extLst>
           </p:cNvPr>
@@ -3704,8 +3719,8 @@
         </p:nvSpPr>
         <p:spPr>
           <a:xfrm>
-            <a:off x="3708400" y="2397760"/>
-            <a:ext cx="4765040" cy="1229360"/>
+            <a:off x="3830320" y="3429000"/>
+            <a:ext cx="4551680" cy="2402840"/>
           </a:xfrm>
           <a:prstGeom prst="rect">
             <a:avLst/>
@@ -3752,10 +3767,10 @@
       </p:sp>
       <p:sp>
         <p:nvSpPr>
-          <p:cNvPr id="6" name="标注: 线形(带强调线) 5">
-            <a:extLst>
-              <a:ext uri="{FF2B5EF4-FFF2-40B4-BE49-F238E27FC236}">
-                <a16:creationId xmlns:a16="http://schemas.microsoft.com/office/drawing/2014/main" id="{C99AA282-2307-4431-B8F7-2F117E52CDFD}"/>
+          <p:cNvPr id="9" name="标注: 线形(带强调线) 8">
+            <a:extLst>
+              <a:ext uri="{FF2B5EF4-FFF2-40B4-BE49-F238E27FC236}">
+                <a16:creationId xmlns:a16="http://schemas.microsoft.com/office/drawing/2014/main" id="{C66B4EEC-1E92-47BE-A1FC-78B703A9E2E0}"/>
               </a:ext>
             </a:extLst>
           </p:cNvPr>
@@ -3764,15 +3779,15 @@
         </p:nvSpPr>
         <p:spPr>
           <a:xfrm>
-            <a:off x="7355840" y="4078414"/>
+            <a:off x="8788400" y="5744654"/>
             <a:ext cx="1859280" cy="612648"/>
           </a:xfrm>
           <a:prstGeom prst="accentCallout1">
             <a:avLst>
               <a:gd name="adj1" fmla="val 18750"/>
               <a:gd name="adj2" fmla="val -8333"/>
-              <a:gd name="adj3" fmla="val -46704"/>
-              <a:gd name="adj4" fmla="val -36694"/>
+              <a:gd name="adj3" fmla="val 59432"/>
+              <a:gd name="adj4" fmla="val -79863"/>
             </a:avLst>
           </a:prstGeom>
           <a:noFill/>
@@ -3811,17 +3826,17 @@
                   <a:srgbClr val="FF0000"/>
                 </a:solidFill>
               </a:rPr>
-              <a:t>切换到登录组件</a:t>
-            </a:r>
-          </a:p>
-        </p:txBody>
-      </p:sp>
-      <p:sp>
-        <p:nvSpPr>
-          <p:cNvPr id="7" name="矩形 6">
-            <a:extLst>
-              <a:ext uri="{FF2B5EF4-FFF2-40B4-BE49-F238E27FC236}">
-                <a16:creationId xmlns:a16="http://schemas.microsoft.com/office/drawing/2014/main" id="{6C9740CB-7D48-4D1E-982F-DFECC60114B3}"/>
+              <a:t>切换到注册组件</a:t>
+            </a:r>
+          </a:p>
+        </p:txBody>
+      </p:sp>
+      <p:sp>
+        <p:nvSpPr>
+          <p:cNvPr id="10" name="矩形 9">
+            <a:extLst>
+              <a:ext uri="{FF2B5EF4-FFF2-40B4-BE49-F238E27FC236}">
+                <a16:creationId xmlns:a16="http://schemas.microsoft.com/office/drawing/2014/main" id="{19C7E4B9-838A-44FA-9D7E-7269EFA574C9}"/>
               </a:ext>
             </a:extLst>
           </p:cNvPr>
@@ -3830,8 +3845,8 @@
         </p:nvSpPr>
         <p:spPr>
           <a:xfrm>
-            <a:off x="3830320" y="2804160"/>
-            <a:ext cx="4551680" cy="624840"/>
+            <a:off x="3891280" y="3728720"/>
+            <a:ext cx="4409440" cy="1483360"/>
           </a:xfrm>
           <a:prstGeom prst="rect">
             <a:avLst/>
@@ -4094,10 +4109,10 @@
       </p:grpSpPr>
       <p:pic>
         <p:nvPicPr>
-          <p:cNvPr id="4" name="图片 3">
-            <a:extLst>
-              <a:ext uri="{FF2B5EF4-FFF2-40B4-BE49-F238E27FC236}">
-                <a16:creationId xmlns:a16="http://schemas.microsoft.com/office/drawing/2014/main" id="{91F625DD-20B3-41BA-B863-583CF57A3906}"/>
+          <p:cNvPr id="3" name="图片 2">
+            <a:extLst>
+              <a:ext uri="{FF2B5EF4-FFF2-40B4-BE49-F238E27FC236}">
+                <a16:creationId xmlns:a16="http://schemas.microsoft.com/office/drawing/2014/main" id="{72E6EB0F-9A64-46A8-8CA5-A2391EB3653D}"/>
               </a:ext>
             </a:extLst>
           </p:cNvPr>
@@ -4106,16 +4121,21 @@
           </p:cNvPicPr>
           <p:nvPr/>
         </p:nvPicPr>
-        <p:blipFill>
-          <a:blip r:embed="rId2"/>
-          <a:stretch>
-            <a:fillRect/>
-          </a:stretch>
+        <p:blipFill rotWithShape="1">
+          <a:blip r:embed="rId2">
+            <a:extLst>
+              <a:ext uri="{28A0092B-C50C-407E-A947-70E740481C1C}">
+                <a14:useLocalDpi xmlns:a14="http://schemas.microsoft.com/office/drawing/2010/main" val="0"/>
+              </a:ext>
+            </a:extLst>
+          </a:blip>
+          <a:srcRect l="10000" t="14370" r="10000" b="5629"/>
+          <a:stretch/>
         </p:blipFill>
         <p:spPr>
           <a:xfrm>
             <a:off x="0" y="0"/>
-            <a:ext cx="12192000" cy="6857999"/>
+            <a:ext cx="12192000" cy="6858000"/>
           </a:xfrm>
           <a:prstGeom prst="rect">
             <a:avLst/>
@@ -4136,8 +4156,8 @@
         </p:nvSpPr>
         <p:spPr>
           <a:xfrm>
-            <a:off x="2885440" y="1991360"/>
-            <a:ext cx="6350000" cy="751840"/>
+            <a:off x="2956560" y="3204654"/>
+            <a:ext cx="6350000" cy="1773746"/>
           </a:xfrm>
           <a:prstGeom prst="rect">
             <a:avLst/>
@@ -4196,7 +4216,7 @@
         </p:nvSpPr>
         <p:spPr>
           <a:xfrm>
-            <a:off x="6969760" y="3204654"/>
+            <a:off x="8859520" y="5611876"/>
             <a:ext cx="2265680" cy="612648"/>
           </a:xfrm>
           <a:prstGeom prst="accentCallout1">
@@ -4280,10 +4300,10 @@
       </p:grpSpPr>
       <p:pic>
         <p:nvPicPr>
-          <p:cNvPr id="4" name="图片 3">
-            <a:extLst>
-              <a:ext uri="{FF2B5EF4-FFF2-40B4-BE49-F238E27FC236}">
-                <a16:creationId xmlns:a16="http://schemas.microsoft.com/office/drawing/2014/main" id="{B88CABF0-B20B-43B4-AA9D-14C8E53DF7CB}"/>
+          <p:cNvPr id="3" name="图片 2">
+            <a:extLst>
+              <a:ext uri="{FF2B5EF4-FFF2-40B4-BE49-F238E27FC236}">
+                <a16:creationId xmlns:a16="http://schemas.microsoft.com/office/drawing/2014/main" id="{5451D911-926B-4BAB-B92D-8F462EC6498F}"/>
               </a:ext>
             </a:extLst>
           </p:cNvPr>
@@ -4292,16 +4312,21 @@
           </p:cNvPicPr>
           <p:nvPr/>
         </p:nvPicPr>
-        <p:blipFill>
-          <a:blip r:embed="rId2"/>
-          <a:stretch>
-            <a:fillRect/>
-          </a:stretch>
+        <p:blipFill rotWithShape="1">
+          <a:blip r:embed="rId2">
+            <a:extLst>
+              <a:ext uri="{28A0092B-C50C-407E-A947-70E740481C1C}">
+                <a14:useLocalDpi xmlns:a14="http://schemas.microsoft.com/office/drawing/2010/main" val="0"/>
+              </a:ext>
+            </a:extLst>
+          </a:blip>
+          <a:srcRect l="10222" t="14370" r="10222" b="6074"/>
+          <a:stretch/>
         </p:blipFill>
         <p:spPr>
           <a:xfrm>
             <a:off x="0" y="0"/>
-            <a:ext cx="12192000" cy="6857999"/>
+            <a:ext cx="12192000" cy="6858000"/>
           </a:xfrm>
           <a:prstGeom prst="rect">
             <a:avLst/>
@@ -4322,8 +4347,8 @@
         </p:nvSpPr>
         <p:spPr>
           <a:xfrm>
-            <a:off x="3098800" y="2905761"/>
-            <a:ext cx="6350000" cy="843280"/>
+            <a:off x="2921000" y="3007360"/>
+            <a:ext cx="6350000" cy="3322322"/>
           </a:xfrm>
           <a:prstGeom prst="rect">
             <a:avLst/>
@@ -4382,8 +4407,8 @@
         </p:nvSpPr>
         <p:spPr>
           <a:xfrm>
-            <a:off x="3098800" y="3738882"/>
-            <a:ext cx="6350000" cy="406398"/>
+            <a:off x="2921000" y="6329682"/>
+            <a:ext cx="6350000" cy="528318"/>
           </a:xfrm>
           <a:prstGeom prst="rect">
             <a:avLst/>

--- a/设计图.pptx
+++ b/设计图.pptx
@@ -265,7 +265,7 @@
           <a:p>
             <a:fld id="{8DD50AB3-54C0-4202-A47C-DF7CF0AA53D4}" type="datetimeFigureOut">
               <a:rPr lang="zh-CN" altLang="en-US" smtClean="0"/>
-              <a:t>2020/5/18</a:t>
+              <a:t>2020/5/19</a:t>
             </a:fld>
             <a:endParaRPr lang="zh-CN" altLang="en-US"/>
           </a:p>
@@ -463,7 +463,7 @@
           <a:p>
             <a:fld id="{8DD50AB3-54C0-4202-A47C-DF7CF0AA53D4}" type="datetimeFigureOut">
               <a:rPr lang="zh-CN" altLang="en-US" smtClean="0"/>
-              <a:t>2020/5/18</a:t>
+              <a:t>2020/5/19</a:t>
             </a:fld>
             <a:endParaRPr lang="zh-CN" altLang="en-US"/>
           </a:p>
@@ -671,7 +671,7 @@
           <a:p>
             <a:fld id="{8DD50AB3-54C0-4202-A47C-DF7CF0AA53D4}" type="datetimeFigureOut">
               <a:rPr lang="zh-CN" altLang="en-US" smtClean="0"/>
-              <a:t>2020/5/18</a:t>
+              <a:t>2020/5/19</a:t>
             </a:fld>
             <a:endParaRPr lang="zh-CN" altLang="en-US"/>
           </a:p>
@@ -869,7 +869,7 @@
           <a:p>
             <a:fld id="{8DD50AB3-54C0-4202-A47C-DF7CF0AA53D4}" type="datetimeFigureOut">
               <a:rPr lang="zh-CN" altLang="en-US" smtClean="0"/>
-              <a:t>2020/5/18</a:t>
+              <a:t>2020/5/19</a:t>
             </a:fld>
             <a:endParaRPr lang="zh-CN" altLang="en-US"/>
           </a:p>
@@ -1144,7 +1144,7 @@
           <a:p>
             <a:fld id="{8DD50AB3-54C0-4202-A47C-DF7CF0AA53D4}" type="datetimeFigureOut">
               <a:rPr lang="zh-CN" altLang="en-US" smtClean="0"/>
-              <a:t>2020/5/18</a:t>
+              <a:t>2020/5/19</a:t>
             </a:fld>
             <a:endParaRPr lang="zh-CN" altLang="en-US"/>
           </a:p>
@@ -1409,7 +1409,7 @@
           <a:p>
             <a:fld id="{8DD50AB3-54C0-4202-A47C-DF7CF0AA53D4}" type="datetimeFigureOut">
               <a:rPr lang="zh-CN" altLang="en-US" smtClean="0"/>
-              <a:t>2020/5/18</a:t>
+              <a:t>2020/5/19</a:t>
             </a:fld>
             <a:endParaRPr lang="zh-CN" altLang="en-US"/>
           </a:p>
@@ -1821,7 +1821,7 @@
           <a:p>
             <a:fld id="{8DD50AB3-54C0-4202-A47C-DF7CF0AA53D4}" type="datetimeFigureOut">
               <a:rPr lang="zh-CN" altLang="en-US" smtClean="0"/>
-              <a:t>2020/5/18</a:t>
+              <a:t>2020/5/19</a:t>
             </a:fld>
             <a:endParaRPr lang="zh-CN" altLang="en-US"/>
           </a:p>
@@ -1962,7 +1962,7 @@
           <a:p>
             <a:fld id="{8DD50AB3-54C0-4202-A47C-DF7CF0AA53D4}" type="datetimeFigureOut">
               <a:rPr lang="zh-CN" altLang="en-US" smtClean="0"/>
-              <a:t>2020/5/18</a:t>
+              <a:t>2020/5/19</a:t>
             </a:fld>
             <a:endParaRPr lang="zh-CN" altLang="en-US"/>
           </a:p>
@@ -2075,7 +2075,7 @@
           <a:p>
             <a:fld id="{8DD50AB3-54C0-4202-A47C-DF7CF0AA53D4}" type="datetimeFigureOut">
               <a:rPr lang="zh-CN" altLang="en-US" smtClean="0"/>
-              <a:t>2020/5/18</a:t>
+              <a:t>2020/5/19</a:t>
             </a:fld>
             <a:endParaRPr lang="zh-CN" altLang="en-US"/>
           </a:p>
@@ -2386,7 +2386,7 @@
           <a:p>
             <a:fld id="{8DD50AB3-54C0-4202-A47C-DF7CF0AA53D4}" type="datetimeFigureOut">
               <a:rPr lang="zh-CN" altLang="en-US" smtClean="0"/>
-              <a:t>2020/5/18</a:t>
+              <a:t>2020/5/19</a:t>
             </a:fld>
             <a:endParaRPr lang="zh-CN" altLang="en-US"/>
           </a:p>
@@ -2674,7 +2674,7 @@
           <a:p>
             <a:fld id="{8DD50AB3-54C0-4202-A47C-DF7CF0AA53D4}" type="datetimeFigureOut">
               <a:rPr lang="zh-CN" altLang="en-US" smtClean="0"/>
-              <a:t>2020/5/18</a:t>
+              <a:t>2020/5/19</a:t>
             </a:fld>
             <a:endParaRPr lang="zh-CN" altLang="en-US"/>
           </a:p>
@@ -2915,7 +2915,7 @@
           <a:p>
             <a:fld id="{8DD50AB3-54C0-4202-A47C-DF7CF0AA53D4}" type="datetimeFigureOut">
               <a:rPr lang="zh-CN" altLang="en-US" smtClean="0"/>
-              <a:t>2020/5/18</a:t>
+              <a:t>2020/5/19</a:t>
             </a:fld>
             <a:endParaRPr lang="zh-CN" altLang="en-US"/>
           </a:p>
@@ -4485,10 +4485,10 @@
       </p:grpSpPr>
       <p:pic>
         <p:nvPicPr>
-          <p:cNvPr id="4" name="图片 3">
-            <a:extLst>
-              <a:ext uri="{FF2B5EF4-FFF2-40B4-BE49-F238E27FC236}">
-                <a16:creationId xmlns:a16="http://schemas.microsoft.com/office/drawing/2014/main" id="{B4AD4712-4057-4FA6-9417-FE07B9D48A06}"/>
+          <p:cNvPr id="3" name="图片 2">
+            <a:extLst>
+              <a:ext uri="{FF2B5EF4-FFF2-40B4-BE49-F238E27FC236}">
+                <a16:creationId xmlns:a16="http://schemas.microsoft.com/office/drawing/2014/main" id="{BECB8EAE-5597-4760-942E-250845814786}"/>
               </a:ext>
             </a:extLst>
           </p:cNvPr>
@@ -4498,15 +4498,21 @@
           <p:nvPr/>
         </p:nvPicPr>
         <p:blipFill>
-          <a:blip r:embed="rId2"/>
+          <a:blip r:embed="rId2">
+            <a:extLst>
+              <a:ext uri="{28A0092B-C50C-407E-A947-70E740481C1C}">
+                <a14:useLocalDpi xmlns:a14="http://schemas.microsoft.com/office/drawing/2010/main" val="0"/>
+              </a:ext>
+            </a:extLst>
+          </a:blip>
           <a:stretch>
             <a:fillRect/>
           </a:stretch>
         </p:blipFill>
         <p:spPr>
           <a:xfrm>
-            <a:off x="746760" y="0"/>
-            <a:ext cx="10698480" cy="6017894"/>
+            <a:off x="0" y="0"/>
+            <a:ext cx="12192000" cy="6858000"/>
           </a:xfrm>
           <a:prstGeom prst="rect">
             <a:avLst/>
@@ -4527,8 +4533,8 @@
         </p:nvSpPr>
         <p:spPr>
           <a:xfrm>
-            <a:off x="2921000" y="111759"/>
-            <a:ext cx="6350000" cy="5801361"/>
+            <a:off x="172720" y="1"/>
+            <a:ext cx="10535920" cy="5913120"/>
           </a:xfrm>
           <a:prstGeom prst="rect">
             <a:avLst/>
@@ -4573,57 +4579,22 @@
           </a:p>
         </p:txBody>
       </p:sp>
-      <p:pic>
-        <p:nvPicPr>
-          <p:cNvPr id="7" name="图片 6">
-            <a:extLst>
-              <a:ext uri="{FF2B5EF4-FFF2-40B4-BE49-F238E27FC236}">
-                <a16:creationId xmlns:a16="http://schemas.microsoft.com/office/drawing/2014/main" id="{6898EDC7-95F2-45F8-89BD-A1573DBB7EEE}"/>
-              </a:ext>
-            </a:extLst>
-          </p:cNvPr>
-          <p:cNvPicPr>
-            <a:picLocks noChangeAspect="1"/>
-          </p:cNvPicPr>
+      <p:sp>
+        <p:nvSpPr>
+          <p:cNvPr id="8" name="矩形 7">
+            <a:extLst>
+              <a:ext uri="{FF2B5EF4-FFF2-40B4-BE49-F238E27FC236}">
+                <a16:creationId xmlns:a16="http://schemas.microsoft.com/office/drawing/2014/main" id="{69FBE5C9-1A4A-4E47-BD52-48E037CFC5EB}"/>
+              </a:ext>
+            </a:extLst>
+          </p:cNvPr>
+          <p:cNvSpPr/>
           <p:nvPr/>
-        </p:nvPicPr>
-        <p:blipFill rotWithShape="1">
-          <a:blip r:embed="rId3">
-            <a:extLst>
-              <a:ext uri="{28A0092B-C50C-407E-A947-70E740481C1C}">
-                <a14:useLocalDpi xmlns:a14="http://schemas.microsoft.com/office/drawing/2010/main" val="0"/>
-              </a:ext>
-            </a:extLst>
-          </a:blip>
-          <a:srcRect t="87852" b="5333"/>
-          <a:stretch/>
-        </p:blipFill>
+        </p:nvSpPr>
         <p:spPr>
           <a:xfrm>
-            <a:off x="0" y="6024879"/>
-            <a:ext cx="12192000" cy="467362"/>
-          </a:xfrm>
-          <a:prstGeom prst="rect">
-            <a:avLst/>
-          </a:prstGeom>
-        </p:spPr>
-      </p:pic>
-      <p:sp>
-        <p:nvSpPr>
-          <p:cNvPr id="8" name="矩形 7">
-            <a:extLst>
-              <a:ext uri="{FF2B5EF4-FFF2-40B4-BE49-F238E27FC236}">
-                <a16:creationId xmlns:a16="http://schemas.microsoft.com/office/drawing/2014/main" id="{69FBE5C9-1A4A-4E47-BD52-48E037CFC5EB}"/>
-              </a:ext>
-            </a:extLst>
-          </p:cNvPr>
-          <p:cNvSpPr/>
-          <p:nvPr/>
-        </p:nvSpPr>
-        <p:spPr>
-          <a:xfrm>
-            <a:off x="2921000" y="6017894"/>
-            <a:ext cx="6350000" cy="467362"/>
+            <a:off x="7752080" y="294640"/>
+            <a:ext cx="2875280" cy="939800"/>
           </a:xfrm>
           <a:prstGeom prst="rect">
             <a:avLst/>
@@ -4682,8 +4653,8 @@
         </p:nvSpPr>
         <p:spPr>
           <a:xfrm>
-            <a:off x="4127500" y="457199"/>
-            <a:ext cx="4173220" cy="2971801"/>
+            <a:off x="1648460" y="203199"/>
+            <a:ext cx="5697220" cy="5466081"/>
           </a:xfrm>
           <a:prstGeom prst="rect">
             <a:avLst/>
@@ -4742,8 +4713,8 @@
         </p:nvSpPr>
         <p:spPr>
           <a:xfrm>
-            <a:off x="4127500" y="3774440"/>
-            <a:ext cx="4173220" cy="1894840"/>
+            <a:off x="7752080" y="1234440"/>
+            <a:ext cx="2875280" cy="4434840"/>
           </a:xfrm>
           <a:prstGeom prst="rect">
             <a:avLst/>

--- a/设计图.pptx
+++ b/设计图.pptx
@@ -3923,10 +3923,10 @@
       </p:grpSpPr>
       <p:pic>
         <p:nvPicPr>
-          <p:cNvPr id="4" name="图片 3">
-            <a:extLst>
-              <a:ext uri="{FF2B5EF4-FFF2-40B4-BE49-F238E27FC236}">
-                <a16:creationId xmlns:a16="http://schemas.microsoft.com/office/drawing/2014/main" id="{790E40C0-7804-4720-9B7C-A965F4F7E4C4}"/>
+          <p:cNvPr id="3" name="图片 2">
+            <a:extLst>
+              <a:ext uri="{FF2B5EF4-FFF2-40B4-BE49-F238E27FC236}">
+                <a16:creationId xmlns:a16="http://schemas.microsoft.com/office/drawing/2014/main" id="{50063763-0F62-4F4E-9623-1FAE4DB8B832}"/>
               </a:ext>
             </a:extLst>
           </p:cNvPr>
@@ -3935,16 +3935,21 @@
           </p:cNvPicPr>
           <p:nvPr/>
         </p:nvPicPr>
-        <p:blipFill>
-          <a:blip r:embed="rId2"/>
-          <a:stretch>
-            <a:fillRect/>
-          </a:stretch>
+        <p:blipFill rotWithShape="1">
+          <a:blip r:embed="rId2">
+            <a:extLst>
+              <a:ext uri="{28A0092B-C50C-407E-A947-70E740481C1C}">
+                <a14:useLocalDpi xmlns:a14="http://schemas.microsoft.com/office/drawing/2010/main" val="0"/>
+              </a:ext>
+            </a:extLst>
+          </a:blip>
+          <a:srcRect l="9926" t="14370" r="9926" b="5481"/>
+          <a:stretch/>
         </p:blipFill>
         <p:spPr>
           <a:xfrm>
             <a:off x="0" y="0"/>
-            <a:ext cx="12192000" cy="6857999"/>
+            <a:ext cx="12192000" cy="6858000"/>
           </a:xfrm>
           <a:prstGeom prst="rect">
             <a:avLst/>
@@ -3965,8 +3970,8 @@
         </p:nvSpPr>
         <p:spPr>
           <a:xfrm>
-            <a:off x="2921000" y="2722880"/>
-            <a:ext cx="6350000" cy="843280"/>
+            <a:off x="2921000" y="550766"/>
+            <a:ext cx="6350000" cy="1897793"/>
           </a:xfrm>
           <a:prstGeom prst="rect">
             <a:avLst/>
@@ -4025,15 +4030,15 @@
         </p:nvSpPr>
         <p:spPr>
           <a:xfrm>
-            <a:off x="7305040" y="1944814"/>
+            <a:off x="9387840" y="105854"/>
             <a:ext cx="2306320" cy="612648"/>
           </a:xfrm>
           <a:prstGeom prst="accentCallout1">
             <a:avLst>
               <a:gd name="adj1" fmla="val 18750"/>
               <a:gd name="adj2" fmla="val -8333"/>
-              <a:gd name="adj3" fmla="val 105867"/>
-              <a:gd name="adj4" fmla="val -49809"/>
+              <a:gd name="adj3" fmla="val 39532"/>
+              <a:gd name="adj4" fmla="val -65668"/>
             </a:avLst>
           </a:prstGeom>
           <a:noFill/>

--- a/设计图.pptx
+++ b/设计图.pptx
@@ -4,6 +4,9 @@
   <p:sldMasterIdLst>
     <p:sldMasterId id="2147483648" r:id="rId1"/>
   </p:sldMasterIdLst>
+  <p:notesMasterIdLst>
+    <p:notesMasterId r:id="rId9"/>
+  </p:notesMasterIdLst>
   <p:sldIdLst>
     <p:sldId id="256" r:id="rId2"/>
     <p:sldId id="257" r:id="rId3"/>
@@ -118,6 +121,439 @@
 </p:presentation>
 </file>
 
+<file path=ppt/notesMasters/notesMaster1.xml><?xml version="1.0" encoding="utf-8"?>
+<p:notesMaster xmlns:a="http://schemas.openxmlformats.org/drawingml/2006/main" xmlns:r="http://schemas.openxmlformats.org/officeDocument/2006/relationships" xmlns:p="http://schemas.openxmlformats.org/presentationml/2006/main">
+  <p:cSld>
+    <p:bg>
+      <p:bgRef idx="1001">
+        <a:schemeClr val="bg1"/>
+      </p:bgRef>
+    </p:bg>
+    <p:spTree>
+      <p:nvGrpSpPr>
+        <p:cNvPr id="1" name=""/>
+        <p:cNvGrpSpPr/>
+        <p:nvPr/>
+      </p:nvGrpSpPr>
+      <p:grpSpPr>
+        <a:xfrm>
+          <a:off x="0" y="0"/>
+          <a:ext cx="0" cy="0"/>
+          <a:chOff x="0" y="0"/>
+          <a:chExt cx="0" cy="0"/>
+        </a:xfrm>
+      </p:grpSpPr>
+      <p:sp>
+        <p:nvSpPr>
+          <p:cNvPr id="2" name="页眉占位符 1"/>
+          <p:cNvSpPr>
+            <a:spLocks noGrp="1"/>
+          </p:cNvSpPr>
+          <p:nvPr>
+            <p:ph type="hdr" sz="quarter"/>
+          </p:nvPr>
+        </p:nvSpPr>
+        <p:spPr>
+          <a:xfrm>
+            <a:off x="0" y="0"/>
+            <a:ext cx="2971800" cy="458788"/>
+          </a:xfrm>
+          <a:prstGeom prst="rect">
+            <a:avLst/>
+          </a:prstGeom>
+        </p:spPr>
+        <p:txBody>
+          <a:bodyPr vert="horz" lIns="91440" tIns="45720" rIns="91440" bIns="45720" rtlCol="0"/>
+          <a:lstStyle>
+            <a:lvl1pPr algn="l">
+              <a:defRPr sz="1200"/>
+            </a:lvl1pPr>
+          </a:lstStyle>
+          <a:p>
+            <a:endParaRPr lang="zh-CN" altLang="en-US"/>
+          </a:p>
+        </p:txBody>
+      </p:sp>
+      <p:sp>
+        <p:nvSpPr>
+          <p:cNvPr id="3" name="日期占位符 2"/>
+          <p:cNvSpPr>
+            <a:spLocks noGrp="1"/>
+          </p:cNvSpPr>
+          <p:nvPr>
+            <p:ph type="dt" idx="1"/>
+          </p:nvPr>
+        </p:nvSpPr>
+        <p:spPr>
+          <a:xfrm>
+            <a:off x="3884613" y="0"/>
+            <a:ext cx="2971800" cy="458788"/>
+          </a:xfrm>
+          <a:prstGeom prst="rect">
+            <a:avLst/>
+          </a:prstGeom>
+        </p:spPr>
+        <p:txBody>
+          <a:bodyPr vert="horz" lIns="91440" tIns="45720" rIns="91440" bIns="45720" rtlCol="0"/>
+          <a:lstStyle>
+            <a:lvl1pPr algn="r">
+              <a:defRPr sz="1200"/>
+            </a:lvl1pPr>
+          </a:lstStyle>
+          <a:p>
+            <a:fld id="{44E51C7C-42C9-45DC-8060-558AC40D4D17}" type="datetimeFigureOut">
+              <a:rPr lang="zh-CN" altLang="en-US" smtClean="0"/>
+              <a:t>2020/5/29</a:t>
+            </a:fld>
+            <a:endParaRPr lang="zh-CN" altLang="en-US"/>
+          </a:p>
+        </p:txBody>
+      </p:sp>
+      <p:sp>
+        <p:nvSpPr>
+          <p:cNvPr id="4" name="幻灯片图像占位符 3"/>
+          <p:cNvSpPr>
+            <a:spLocks noGrp="1" noRot="1" noChangeAspect="1"/>
+          </p:cNvSpPr>
+          <p:nvPr>
+            <p:ph type="sldImg" idx="2"/>
+          </p:nvPr>
+        </p:nvSpPr>
+        <p:spPr>
+          <a:xfrm>
+            <a:off x="685800" y="1143000"/>
+            <a:ext cx="5486400" cy="3086100"/>
+          </a:xfrm>
+          <a:prstGeom prst="rect">
+            <a:avLst/>
+          </a:prstGeom>
+          <a:noFill/>
+          <a:ln w="12700">
+            <a:solidFill>
+              <a:prstClr val="black"/>
+            </a:solidFill>
+          </a:ln>
+        </p:spPr>
+        <p:txBody>
+          <a:bodyPr vert="horz" lIns="91440" tIns="45720" rIns="91440" bIns="45720" rtlCol="0" anchor="ctr"/>
+          <a:lstStyle/>
+          <a:p>
+            <a:endParaRPr lang="zh-CN" altLang="en-US"/>
+          </a:p>
+        </p:txBody>
+      </p:sp>
+      <p:sp>
+        <p:nvSpPr>
+          <p:cNvPr id="5" name="备注占位符 4"/>
+          <p:cNvSpPr>
+            <a:spLocks noGrp="1"/>
+          </p:cNvSpPr>
+          <p:nvPr>
+            <p:ph type="body" sz="quarter" idx="3"/>
+          </p:nvPr>
+        </p:nvSpPr>
+        <p:spPr>
+          <a:xfrm>
+            <a:off x="685800" y="4400550"/>
+            <a:ext cx="5486400" cy="3600450"/>
+          </a:xfrm>
+          <a:prstGeom prst="rect">
+            <a:avLst/>
+          </a:prstGeom>
+        </p:spPr>
+        <p:txBody>
+          <a:bodyPr vert="horz" lIns="91440" tIns="45720" rIns="91440" bIns="45720" rtlCol="0"/>
+          <a:lstStyle/>
+          <a:p>
+            <a:pPr lvl="0"/>
+            <a:r>
+              <a:rPr lang="zh-CN" altLang="en-US"/>
+              <a:t>单击此处编辑母版文本样式</a:t>
+            </a:r>
+          </a:p>
+          <a:p>
+            <a:pPr lvl="1"/>
+            <a:r>
+              <a:rPr lang="zh-CN" altLang="en-US"/>
+              <a:t>二级</a:t>
+            </a:r>
+          </a:p>
+          <a:p>
+            <a:pPr lvl="2"/>
+            <a:r>
+              <a:rPr lang="zh-CN" altLang="en-US"/>
+              <a:t>三级</a:t>
+            </a:r>
+          </a:p>
+          <a:p>
+            <a:pPr lvl="3"/>
+            <a:r>
+              <a:rPr lang="zh-CN" altLang="en-US"/>
+              <a:t>四级</a:t>
+            </a:r>
+          </a:p>
+          <a:p>
+            <a:pPr lvl="4"/>
+            <a:r>
+              <a:rPr lang="zh-CN" altLang="en-US"/>
+              <a:t>五级</a:t>
+            </a:r>
+          </a:p>
+        </p:txBody>
+      </p:sp>
+      <p:sp>
+        <p:nvSpPr>
+          <p:cNvPr id="6" name="页脚占位符 5"/>
+          <p:cNvSpPr>
+            <a:spLocks noGrp="1"/>
+          </p:cNvSpPr>
+          <p:nvPr>
+            <p:ph type="ftr" sz="quarter" idx="4"/>
+          </p:nvPr>
+        </p:nvSpPr>
+        <p:spPr>
+          <a:xfrm>
+            <a:off x="0" y="8685213"/>
+            <a:ext cx="2971800" cy="458787"/>
+          </a:xfrm>
+          <a:prstGeom prst="rect">
+            <a:avLst/>
+          </a:prstGeom>
+        </p:spPr>
+        <p:txBody>
+          <a:bodyPr vert="horz" lIns="91440" tIns="45720" rIns="91440" bIns="45720" rtlCol="0" anchor="b"/>
+          <a:lstStyle>
+            <a:lvl1pPr algn="l">
+              <a:defRPr sz="1200"/>
+            </a:lvl1pPr>
+          </a:lstStyle>
+          <a:p>
+            <a:endParaRPr lang="zh-CN" altLang="en-US"/>
+          </a:p>
+        </p:txBody>
+      </p:sp>
+      <p:sp>
+        <p:nvSpPr>
+          <p:cNvPr id="7" name="灯片编号占位符 6"/>
+          <p:cNvSpPr>
+            <a:spLocks noGrp="1"/>
+          </p:cNvSpPr>
+          <p:nvPr>
+            <p:ph type="sldNum" sz="quarter" idx="5"/>
+          </p:nvPr>
+        </p:nvSpPr>
+        <p:spPr>
+          <a:xfrm>
+            <a:off x="3884613" y="8685213"/>
+            <a:ext cx="2971800" cy="458787"/>
+          </a:xfrm>
+          <a:prstGeom prst="rect">
+            <a:avLst/>
+          </a:prstGeom>
+        </p:spPr>
+        <p:txBody>
+          <a:bodyPr vert="horz" lIns="91440" tIns="45720" rIns="91440" bIns="45720" rtlCol="0" anchor="b"/>
+          <a:lstStyle>
+            <a:lvl1pPr algn="r">
+              <a:defRPr sz="1200"/>
+            </a:lvl1pPr>
+          </a:lstStyle>
+          <a:p>
+            <a:fld id="{04687F89-ED2C-42CD-AAD5-CB47DD8B4CD5}" type="slidenum">
+              <a:rPr lang="zh-CN" altLang="en-US" smtClean="0"/>
+              <a:t>‹#›</a:t>
+            </a:fld>
+            <a:endParaRPr lang="zh-CN" altLang="en-US"/>
+          </a:p>
+        </p:txBody>
+      </p:sp>
+    </p:spTree>
+    <p:extLst>
+      <p:ext uri="{BB962C8B-B14F-4D97-AF65-F5344CB8AC3E}">
+        <p14:creationId xmlns:p14="http://schemas.microsoft.com/office/powerpoint/2010/main" val="1394845360"/>
+      </p:ext>
+    </p:extLst>
+  </p:cSld>
+  <p:clrMap bg1="lt1" tx1="dk1" bg2="lt2" tx2="dk2" accent1="accent1" accent2="accent2" accent3="accent3" accent4="accent4" accent5="accent5" accent6="accent6" hlink="hlink" folHlink="folHlink"/>
+  <p:notesStyle>
+    <a:lvl1pPr marL="0" algn="l" defTabSz="914400" rtl="0" eaLnBrk="1" latinLnBrk="0" hangingPunct="1">
+      <a:defRPr sz="1200" kern="1200">
+        <a:solidFill>
+          <a:schemeClr val="tx1"/>
+        </a:solidFill>
+        <a:latin typeface="+mn-lt"/>
+        <a:ea typeface="+mn-ea"/>
+        <a:cs typeface="+mn-cs"/>
+      </a:defRPr>
+    </a:lvl1pPr>
+    <a:lvl2pPr marL="457200" algn="l" defTabSz="914400" rtl="0" eaLnBrk="1" latinLnBrk="0" hangingPunct="1">
+      <a:defRPr sz="1200" kern="1200">
+        <a:solidFill>
+          <a:schemeClr val="tx1"/>
+        </a:solidFill>
+        <a:latin typeface="+mn-lt"/>
+        <a:ea typeface="+mn-ea"/>
+        <a:cs typeface="+mn-cs"/>
+      </a:defRPr>
+    </a:lvl2pPr>
+    <a:lvl3pPr marL="914400" algn="l" defTabSz="914400" rtl="0" eaLnBrk="1" latinLnBrk="0" hangingPunct="1">
+      <a:defRPr sz="1200" kern="1200">
+        <a:solidFill>
+          <a:schemeClr val="tx1"/>
+        </a:solidFill>
+        <a:latin typeface="+mn-lt"/>
+        <a:ea typeface="+mn-ea"/>
+        <a:cs typeface="+mn-cs"/>
+      </a:defRPr>
+    </a:lvl3pPr>
+    <a:lvl4pPr marL="1371600" algn="l" defTabSz="914400" rtl="0" eaLnBrk="1" latinLnBrk="0" hangingPunct="1">
+      <a:defRPr sz="1200" kern="1200">
+        <a:solidFill>
+          <a:schemeClr val="tx1"/>
+        </a:solidFill>
+        <a:latin typeface="+mn-lt"/>
+        <a:ea typeface="+mn-ea"/>
+        <a:cs typeface="+mn-cs"/>
+      </a:defRPr>
+    </a:lvl4pPr>
+    <a:lvl5pPr marL="1828800" algn="l" defTabSz="914400" rtl="0" eaLnBrk="1" latinLnBrk="0" hangingPunct="1">
+      <a:defRPr sz="1200" kern="1200">
+        <a:solidFill>
+          <a:schemeClr val="tx1"/>
+        </a:solidFill>
+        <a:latin typeface="+mn-lt"/>
+        <a:ea typeface="+mn-ea"/>
+        <a:cs typeface="+mn-cs"/>
+      </a:defRPr>
+    </a:lvl5pPr>
+    <a:lvl6pPr marL="2286000" algn="l" defTabSz="914400" rtl="0" eaLnBrk="1" latinLnBrk="0" hangingPunct="1">
+      <a:defRPr sz="1200" kern="1200">
+        <a:solidFill>
+          <a:schemeClr val="tx1"/>
+        </a:solidFill>
+        <a:latin typeface="+mn-lt"/>
+        <a:ea typeface="+mn-ea"/>
+        <a:cs typeface="+mn-cs"/>
+      </a:defRPr>
+    </a:lvl6pPr>
+    <a:lvl7pPr marL="2743200" algn="l" defTabSz="914400" rtl="0" eaLnBrk="1" latinLnBrk="0" hangingPunct="1">
+      <a:defRPr sz="1200" kern="1200">
+        <a:solidFill>
+          <a:schemeClr val="tx1"/>
+        </a:solidFill>
+        <a:latin typeface="+mn-lt"/>
+        <a:ea typeface="+mn-ea"/>
+        <a:cs typeface="+mn-cs"/>
+      </a:defRPr>
+    </a:lvl7pPr>
+    <a:lvl8pPr marL="3200400" algn="l" defTabSz="914400" rtl="0" eaLnBrk="1" latinLnBrk="0" hangingPunct="1">
+      <a:defRPr sz="1200" kern="1200">
+        <a:solidFill>
+          <a:schemeClr val="tx1"/>
+        </a:solidFill>
+        <a:latin typeface="+mn-lt"/>
+        <a:ea typeface="+mn-ea"/>
+        <a:cs typeface="+mn-cs"/>
+      </a:defRPr>
+    </a:lvl8pPr>
+    <a:lvl9pPr marL="3657600" algn="l" defTabSz="914400" rtl="0" eaLnBrk="1" latinLnBrk="0" hangingPunct="1">
+      <a:defRPr sz="1200" kern="1200">
+        <a:solidFill>
+          <a:schemeClr val="tx1"/>
+        </a:solidFill>
+        <a:latin typeface="+mn-lt"/>
+        <a:ea typeface="+mn-ea"/>
+        <a:cs typeface="+mn-cs"/>
+      </a:defRPr>
+    </a:lvl9pPr>
+  </p:notesStyle>
+</p:notesMaster>
+</file>
+
+<file path=ppt/notesSlides/notesSlide1.xml><?xml version="1.0" encoding="utf-8"?>
+<p:notes xmlns:a="http://schemas.openxmlformats.org/drawingml/2006/main" xmlns:r="http://schemas.openxmlformats.org/officeDocument/2006/relationships" xmlns:p="http://schemas.openxmlformats.org/presentationml/2006/main">
+  <p:cSld>
+    <p:spTree>
+      <p:nvGrpSpPr>
+        <p:cNvPr id="1" name=""/>
+        <p:cNvGrpSpPr/>
+        <p:nvPr/>
+      </p:nvGrpSpPr>
+      <p:grpSpPr>
+        <a:xfrm>
+          <a:off x="0" y="0"/>
+          <a:ext cx="0" cy="0"/>
+          <a:chOff x="0" y="0"/>
+          <a:chExt cx="0" cy="0"/>
+        </a:xfrm>
+      </p:grpSpPr>
+      <p:sp>
+        <p:nvSpPr>
+          <p:cNvPr id="2" name="幻灯片图像占位符 1"/>
+          <p:cNvSpPr>
+            <a:spLocks noGrp="1" noRot="1" noChangeAspect="1"/>
+          </p:cNvSpPr>
+          <p:nvPr>
+            <p:ph type="sldImg"/>
+          </p:nvPr>
+        </p:nvSpPr>
+        <p:spPr/>
+      </p:sp>
+      <p:sp>
+        <p:nvSpPr>
+          <p:cNvPr id="3" name="备注占位符 2"/>
+          <p:cNvSpPr>
+            <a:spLocks noGrp="1"/>
+          </p:cNvSpPr>
+          <p:nvPr>
+            <p:ph type="body" idx="1"/>
+          </p:nvPr>
+        </p:nvSpPr>
+        <p:spPr/>
+        <p:txBody>
+          <a:bodyPr/>
+          <a:lstStyle/>
+          <a:p>
+            <a:endParaRPr lang="zh-CN" altLang="en-US" dirty="0"/>
+          </a:p>
+        </p:txBody>
+      </p:sp>
+      <p:sp>
+        <p:nvSpPr>
+          <p:cNvPr id="4" name="灯片编号占位符 3"/>
+          <p:cNvSpPr>
+            <a:spLocks noGrp="1"/>
+          </p:cNvSpPr>
+          <p:nvPr>
+            <p:ph type="sldNum" sz="quarter" idx="5"/>
+          </p:nvPr>
+        </p:nvSpPr>
+        <p:spPr/>
+        <p:txBody>
+          <a:bodyPr/>
+          <a:lstStyle/>
+          <a:p>
+            <a:fld id="{04687F89-ED2C-42CD-AAD5-CB47DD8B4CD5}" type="slidenum">
+              <a:rPr lang="zh-CN" altLang="en-US" smtClean="0"/>
+              <a:t>4</a:t>
+            </a:fld>
+            <a:endParaRPr lang="zh-CN" altLang="en-US"/>
+          </a:p>
+        </p:txBody>
+      </p:sp>
+    </p:spTree>
+    <p:extLst>
+      <p:ext uri="{BB962C8B-B14F-4D97-AF65-F5344CB8AC3E}">
+        <p14:creationId xmlns:p14="http://schemas.microsoft.com/office/powerpoint/2010/main" val="1926823032"/>
+      </p:ext>
+    </p:extLst>
+  </p:cSld>
+  <p:clrMapOvr>
+    <a:masterClrMapping/>
+  </p:clrMapOvr>
+</p:notes>
+</file>
+
 <file path=ppt/slideLayouts/slideLayout1.xml><?xml version="1.0" encoding="utf-8"?>
 <p:sldLayout xmlns:a="http://schemas.openxmlformats.org/drawingml/2006/main" xmlns:r="http://schemas.openxmlformats.org/officeDocument/2006/relationships" xmlns:p="http://schemas.openxmlformats.org/presentationml/2006/main" type="title" preserve="1">
   <p:cSld name="标题幻灯片">
@@ -265,7 +701,7 @@
           <a:p>
             <a:fld id="{8DD50AB3-54C0-4202-A47C-DF7CF0AA53D4}" type="datetimeFigureOut">
               <a:rPr lang="zh-CN" altLang="en-US" smtClean="0"/>
-              <a:t>2020/5/19</a:t>
+              <a:t>2020/5/29</a:t>
             </a:fld>
             <a:endParaRPr lang="zh-CN" altLang="en-US"/>
           </a:p>
@@ -463,7 +899,7 @@
           <a:p>
             <a:fld id="{8DD50AB3-54C0-4202-A47C-DF7CF0AA53D4}" type="datetimeFigureOut">
               <a:rPr lang="zh-CN" altLang="en-US" smtClean="0"/>
-              <a:t>2020/5/19</a:t>
+              <a:t>2020/5/29</a:t>
             </a:fld>
             <a:endParaRPr lang="zh-CN" altLang="en-US"/>
           </a:p>
@@ -671,7 +1107,7 @@
           <a:p>
             <a:fld id="{8DD50AB3-54C0-4202-A47C-DF7CF0AA53D4}" type="datetimeFigureOut">
               <a:rPr lang="zh-CN" altLang="en-US" smtClean="0"/>
-              <a:t>2020/5/19</a:t>
+              <a:t>2020/5/29</a:t>
             </a:fld>
             <a:endParaRPr lang="zh-CN" altLang="en-US"/>
           </a:p>
@@ -869,7 +1305,7 @@
           <a:p>
             <a:fld id="{8DD50AB3-54C0-4202-A47C-DF7CF0AA53D4}" type="datetimeFigureOut">
               <a:rPr lang="zh-CN" altLang="en-US" smtClean="0"/>
-              <a:t>2020/5/19</a:t>
+              <a:t>2020/5/29</a:t>
             </a:fld>
             <a:endParaRPr lang="zh-CN" altLang="en-US"/>
           </a:p>
@@ -1144,7 +1580,7 @@
           <a:p>
             <a:fld id="{8DD50AB3-54C0-4202-A47C-DF7CF0AA53D4}" type="datetimeFigureOut">
               <a:rPr lang="zh-CN" altLang="en-US" smtClean="0"/>
-              <a:t>2020/5/19</a:t>
+              <a:t>2020/5/29</a:t>
             </a:fld>
             <a:endParaRPr lang="zh-CN" altLang="en-US"/>
           </a:p>
@@ -1409,7 +1845,7 @@
           <a:p>
             <a:fld id="{8DD50AB3-54C0-4202-A47C-DF7CF0AA53D4}" type="datetimeFigureOut">
               <a:rPr lang="zh-CN" altLang="en-US" smtClean="0"/>
-              <a:t>2020/5/19</a:t>
+              <a:t>2020/5/29</a:t>
             </a:fld>
             <a:endParaRPr lang="zh-CN" altLang="en-US"/>
           </a:p>
@@ -1821,7 +2257,7 @@
           <a:p>
             <a:fld id="{8DD50AB3-54C0-4202-A47C-DF7CF0AA53D4}" type="datetimeFigureOut">
               <a:rPr lang="zh-CN" altLang="en-US" smtClean="0"/>
-              <a:t>2020/5/19</a:t>
+              <a:t>2020/5/29</a:t>
             </a:fld>
             <a:endParaRPr lang="zh-CN" altLang="en-US"/>
           </a:p>
@@ -1962,7 +2398,7 @@
           <a:p>
             <a:fld id="{8DD50AB3-54C0-4202-A47C-DF7CF0AA53D4}" type="datetimeFigureOut">
               <a:rPr lang="zh-CN" altLang="en-US" smtClean="0"/>
-              <a:t>2020/5/19</a:t>
+              <a:t>2020/5/29</a:t>
             </a:fld>
             <a:endParaRPr lang="zh-CN" altLang="en-US"/>
           </a:p>
@@ -2075,7 +2511,7 @@
           <a:p>
             <a:fld id="{8DD50AB3-54C0-4202-A47C-DF7CF0AA53D4}" type="datetimeFigureOut">
               <a:rPr lang="zh-CN" altLang="en-US" smtClean="0"/>
-              <a:t>2020/5/19</a:t>
+              <a:t>2020/5/29</a:t>
             </a:fld>
             <a:endParaRPr lang="zh-CN" altLang="en-US"/>
           </a:p>
@@ -2386,7 +2822,7 @@
           <a:p>
             <a:fld id="{8DD50AB3-54C0-4202-A47C-DF7CF0AA53D4}" type="datetimeFigureOut">
               <a:rPr lang="zh-CN" altLang="en-US" smtClean="0"/>
-              <a:t>2020/5/19</a:t>
+              <a:t>2020/5/29</a:t>
             </a:fld>
             <a:endParaRPr lang="zh-CN" altLang="en-US"/>
           </a:p>
@@ -2674,7 +3110,7 @@
           <a:p>
             <a:fld id="{8DD50AB3-54C0-4202-A47C-DF7CF0AA53D4}" type="datetimeFigureOut">
               <a:rPr lang="zh-CN" altLang="en-US" smtClean="0"/>
-              <a:t>2020/5/19</a:t>
+              <a:t>2020/5/29</a:t>
             </a:fld>
             <a:endParaRPr lang="zh-CN" altLang="en-US"/>
           </a:p>
@@ -2915,7 +3351,7 @@
           <a:p>
             <a:fld id="{8DD50AB3-54C0-4202-A47C-DF7CF0AA53D4}" type="datetimeFigureOut">
               <a:rPr lang="zh-CN" altLang="en-US" smtClean="0"/>
-              <a:t>2020/5/19</a:t>
+              <a:t>2020/5/29</a:t>
             </a:fld>
             <a:endParaRPr lang="zh-CN" altLang="en-US"/>
           </a:p>
@@ -3936,20 +4372,20 @@
           <p:nvPr/>
         </p:nvPicPr>
         <p:blipFill rotWithShape="1">
-          <a:blip r:embed="rId2">
+          <a:blip r:embed="rId3">
             <a:extLst>
               <a:ext uri="{28A0092B-C50C-407E-A947-70E740481C1C}">
                 <a14:useLocalDpi xmlns:a14="http://schemas.microsoft.com/office/drawing/2010/main" val="0"/>
               </a:ext>
             </a:extLst>
           </a:blip>
-          <a:srcRect l="9926" t="14370" r="9926" b="5481"/>
+          <a:srcRect l="10316" t="14370" r="10316" b="6001"/>
           <a:stretch/>
         </p:blipFill>
         <p:spPr>
           <a:xfrm>
-            <a:off x="0" y="0"/>
-            <a:ext cx="12192000" cy="6858000"/>
+            <a:off x="16" y="4"/>
+            <a:ext cx="12191984" cy="6857991"/>
           </a:xfrm>
           <a:prstGeom prst="rect">
             <a:avLst/>
@@ -5070,4 +5506,299 @@
     </a:ext>
   </a:extLst>
 </a:theme>
+</file>
+
+<file path=ppt/theme/theme2.xml><?xml version="1.0" encoding="utf-8"?>
+<a:theme xmlns:a="http://schemas.openxmlformats.org/drawingml/2006/main" name="Office 主题​​">
+  <a:themeElements>
+    <a:clrScheme name="Office">
+      <a:dk1>
+        <a:sysClr val="windowText" lastClr="000000"/>
+      </a:dk1>
+      <a:lt1>
+        <a:sysClr val="window" lastClr="FFFFFF"/>
+      </a:lt1>
+      <a:dk2>
+        <a:srgbClr val="44546A"/>
+      </a:dk2>
+      <a:lt2>
+        <a:srgbClr val="E7E6E6"/>
+      </a:lt2>
+      <a:accent1>
+        <a:srgbClr val="4472C4"/>
+      </a:accent1>
+      <a:accent2>
+        <a:srgbClr val="ED7D31"/>
+      </a:accent2>
+      <a:accent3>
+        <a:srgbClr val="A5A5A5"/>
+      </a:accent3>
+      <a:accent4>
+        <a:srgbClr val="FFC000"/>
+      </a:accent4>
+      <a:accent5>
+        <a:srgbClr val="5B9BD5"/>
+      </a:accent5>
+      <a:accent6>
+        <a:srgbClr val="70AD47"/>
+      </a:accent6>
+      <a:hlink>
+        <a:srgbClr val="0563C1"/>
+      </a:hlink>
+      <a:folHlink>
+        <a:srgbClr val="954F72"/>
+      </a:folHlink>
+    </a:clrScheme>
+    <a:fontScheme name="Office">
+      <a:majorFont>
+        <a:latin typeface="等线 Light" panose="020F0302020204030204"/>
+        <a:ea typeface=""/>
+        <a:cs typeface=""/>
+        <a:font script="Jpan" typeface="游ゴシック Light"/>
+        <a:font script="Hang" typeface="맑은 고딕"/>
+        <a:font script="Hans" typeface="等线 Light"/>
+        <a:font script="Hant" typeface="新細明體"/>
+        <a:font script="Arab" typeface="Times New Roman"/>
+        <a:font script="Hebr" typeface="Times New Roman"/>
+        <a:font script="Thai" typeface="Angsana New"/>
+        <a:font script="Ethi" typeface="Nyala"/>
+        <a:font script="Beng" typeface="Vrinda"/>
+        <a:font script="Gujr" typeface="Shruti"/>
+        <a:font script="Khmr" typeface="MoolBoran"/>
+        <a:font script="Knda" typeface="Tunga"/>
+        <a:font script="Guru" typeface="Raavi"/>
+        <a:font script="Cans" typeface="Euphemia"/>
+        <a:font script="Cher" typeface="Plantagenet Cherokee"/>
+        <a:font script="Yiii" typeface="Microsoft Yi Baiti"/>
+        <a:font script="Tibt" typeface="Microsoft Himalaya"/>
+        <a:font script="Thaa" typeface="MV Boli"/>
+        <a:font script="Deva" typeface="Mangal"/>
+        <a:font script="Telu" typeface="Gautami"/>
+        <a:font script="Taml" typeface="Latha"/>
+        <a:font script="Syrc" typeface="Estrangelo Edessa"/>
+        <a:font script="Orya" typeface="Kalinga"/>
+        <a:font script="Mlym" typeface="Kartika"/>
+        <a:font script="Laoo" typeface="DokChampa"/>
+        <a:font script="Sinh" typeface="Iskoola Pota"/>
+        <a:font script="Mong" typeface="Mongolian Baiti"/>
+        <a:font script="Viet" typeface="Times New Roman"/>
+        <a:font script="Uigh" typeface="Microsoft Uighur"/>
+        <a:font script="Geor" typeface="Sylfaen"/>
+        <a:font script="Armn" typeface="Arial"/>
+        <a:font script="Bugi" typeface="Leelawadee UI"/>
+        <a:font script="Bopo" typeface="Microsoft JhengHei"/>
+        <a:font script="Java" typeface="Javanese Text"/>
+        <a:font script="Lisu" typeface="Segoe UI"/>
+        <a:font script="Mymr" typeface="Myanmar Text"/>
+        <a:font script="Nkoo" typeface="Ebrima"/>
+        <a:font script="Olck" typeface="Nirmala UI"/>
+        <a:font script="Osma" typeface="Ebrima"/>
+        <a:font script="Phag" typeface="Phagspa"/>
+        <a:font script="Syrn" typeface="Estrangelo Edessa"/>
+        <a:font script="Syrj" typeface="Estrangelo Edessa"/>
+        <a:font script="Syre" typeface="Estrangelo Edessa"/>
+        <a:font script="Sora" typeface="Nirmala UI"/>
+        <a:font script="Tale" typeface="Microsoft Tai Le"/>
+        <a:font script="Talu" typeface="Microsoft New Tai Lue"/>
+        <a:font script="Tfng" typeface="Ebrima"/>
+      </a:majorFont>
+      <a:minorFont>
+        <a:latin typeface="等线" panose="020F0502020204030204"/>
+        <a:ea typeface=""/>
+        <a:cs typeface=""/>
+        <a:font script="Jpan" typeface="游ゴシック"/>
+        <a:font script="Hang" typeface="맑은 고딕"/>
+        <a:font script="Hans" typeface="等线"/>
+        <a:font script="Hant" typeface="新細明體"/>
+        <a:font script="Arab" typeface="Arial"/>
+        <a:font script="Hebr" typeface="Arial"/>
+        <a:font script="Thai" typeface="Cordia New"/>
+        <a:font script="Ethi" typeface="Nyala"/>
+        <a:font script="Beng" typeface="Vrinda"/>
+        <a:font script="Gujr" typeface="Shruti"/>
+        <a:font script="Khmr" typeface="DaunPenh"/>
+        <a:font script="Knda" typeface="Tunga"/>
+        <a:font script="Guru" typeface="Raavi"/>
+        <a:font script="Cans" typeface="Euphemia"/>
+        <a:font script="Cher" typeface="Plantagenet Cherokee"/>
+        <a:font script="Yiii" typeface="Microsoft Yi Baiti"/>
+        <a:font script="Tibt" typeface="Microsoft Himalaya"/>
+        <a:font script="Thaa" typeface="MV Boli"/>
+        <a:font script="Deva" typeface="Mangal"/>
+        <a:font script="Telu" typeface="Gautami"/>
+        <a:font script="Taml" typeface="Latha"/>
+        <a:font script="Syrc" typeface="Estrangelo Edessa"/>
+        <a:font script="Orya" typeface="Kalinga"/>
+        <a:font script="Mlym" typeface="Kartika"/>
+        <a:font script="Laoo" typeface="DokChampa"/>
+        <a:font script="Sinh" typeface="Iskoola Pota"/>
+        <a:font script="Mong" typeface="Mongolian Baiti"/>
+        <a:font script="Viet" typeface="Arial"/>
+        <a:font script="Uigh" typeface="Microsoft Uighur"/>
+        <a:font script="Geor" typeface="Sylfaen"/>
+        <a:font script="Armn" typeface="Arial"/>
+        <a:font script="Bugi" typeface="Leelawadee UI"/>
+        <a:font script="Bopo" typeface="Microsoft JhengHei"/>
+        <a:font script="Java" typeface="Javanese Text"/>
+        <a:font script="Lisu" typeface="Segoe UI"/>
+        <a:font script="Mymr" typeface="Myanmar Text"/>
+        <a:font script="Nkoo" typeface="Ebrima"/>
+        <a:font script="Olck" typeface="Nirmala UI"/>
+        <a:font script="Osma" typeface="Ebrima"/>
+        <a:font script="Phag" typeface="Phagspa"/>
+        <a:font script="Syrn" typeface="Estrangelo Edessa"/>
+        <a:font script="Syrj" typeface="Estrangelo Edessa"/>
+        <a:font script="Syre" typeface="Estrangelo Edessa"/>
+        <a:font script="Sora" typeface="Nirmala UI"/>
+        <a:font script="Tale" typeface="Microsoft Tai Le"/>
+        <a:font script="Talu" typeface="Microsoft New Tai Lue"/>
+        <a:font script="Tfng" typeface="Ebrima"/>
+      </a:minorFont>
+    </a:fontScheme>
+    <a:fmtScheme name="Office">
+      <a:fillStyleLst>
+        <a:solidFill>
+          <a:schemeClr val="phClr"/>
+        </a:solidFill>
+        <a:gradFill rotWithShape="1">
+          <a:gsLst>
+            <a:gs pos="0">
+              <a:schemeClr val="phClr">
+                <a:lumMod val="110000"/>
+                <a:satMod val="105000"/>
+                <a:tint val="67000"/>
+              </a:schemeClr>
+            </a:gs>
+            <a:gs pos="50000">
+              <a:schemeClr val="phClr">
+                <a:lumMod val="105000"/>
+                <a:satMod val="103000"/>
+                <a:tint val="73000"/>
+              </a:schemeClr>
+            </a:gs>
+            <a:gs pos="100000">
+              <a:schemeClr val="phClr">
+                <a:lumMod val="105000"/>
+                <a:satMod val="109000"/>
+                <a:tint val="81000"/>
+              </a:schemeClr>
+            </a:gs>
+          </a:gsLst>
+          <a:lin ang="5400000" scaled="0"/>
+        </a:gradFill>
+        <a:gradFill rotWithShape="1">
+          <a:gsLst>
+            <a:gs pos="0">
+              <a:schemeClr val="phClr">
+                <a:satMod val="103000"/>
+                <a:lumMod val="102000"/>
+                <a:tint val="94000"/>
+              </a:schemeClr>
+            </a:gs>
+            <a:gs pos="50000">
+              <a:schemeClr val="phClr">
+                <a:satMod val="110000"/>
+                <a:lumMod val="100000"/>
+                <a:shade val="100000"/>
+              </a:schemeClr>
+            </a:gs>
+            <a:gs pos="100000">
+              <a:schemeClr val="phClr">
+                <a:lumMod val="99000"/>
+                <a:satMod val="120000"/>
+                <a:shade val="78000"/>
+              </a:schemeClr>
+            </a:gs>
+          </a:gsLst>
+          <a:lin ang="5400000" scaled="0"/>
+        </a:gradFill>
+      </a:fillStyleLst>
+      <a:lnStyleLst>
+        <a:ln w="6350" cap="flat" cmpd="sng" algn="ctr">
+          <a:solidFill>
+            <a:schemeClr val="phClr"/>
+          </a:solidFill>
+          <a:prstDash val="solid"/>
+          <a:miter lim="800000"/>
+        </a:ln>
+        <a:ln w="12700" cap="flat" cmpd="sng" algn="ctr">
+          <a:solidFill>
+            <a:schemeClr val="phClr"/>
+          </a:solidFill>
+          <a:prstDash val="solid"/>
+          <a:miter lim="800000"/>
+        </a:ln>
+        <a:ln w="19050" cap="flat" cmpd="sng" algn="ctr">
+          <a:solidFill>
+            <a:schemeClr val="phClr"/>
+          </a:solidFill>
+          <a:prstDash val="solid"/>
+          <a:miter lim="800000"/>
+        </a:ln>
+      </a:lnStyleLst>
+      <a:effectStyleLst>
+        <a:effectStyle>
+          <a:effectLst/>
+        </a:effectStyle>
+        <a:effectStyle>
+          <a:effectLst/>
+        </a:effectStyle>
+        <a:effectStyle>
+          <a:effectLst>
+            <a:outerShdw blurRad="57150" dist="19050" dir="5400000" algn="ctr" rotWithShape="0">
+              <a:srgbClr val="000000">
+                <a:alpha val="63000"/>
+              </a:srgbClr>
+            </a:outerShdw>
+          </a:effectLst>
+        </a:effectStyle>
+      </a:effectStyleLst>
+      <a:bgFillStyleLst>
+        <a:solidFill>
+          <a:schemeClr val="phClr"/>
+        </a:solidFill>
+        <a:solidFill>
+          <a:schemeClr val="phClr">
+            <a:tint val="95000"/>
+            <a:satMod val="170000"/>
+          </a:schemeClr>
+        </a:solidFill>
+        <a:gradFill rotWithShape="1">
+          <a:gsLst>
+            <a:gs pos="0">
+              <a:schemeClr val="phClr">
+                <a:tint val="93000"/>
+                <a:satMod val="150000"/>
+                <a:shade val="98000"/>
+                <a:lumMod val="102000"/>
+              </a:schemeClr>
+            </a:gs>
+            <a:gs pos="50000">
+              <a:schemeClr val="phClr">
+                <a:tint val="98000"/>
+                <a:satMod val="130000"/>
+                <a:shade val="90000"/>
+                <a:lumMod val="103000"/>
+              </a:schemeClr>
+            </a:gs>
+            <a:gs pos="100000">
+              <a:schemeClr val="phClr">
+                <a:shade val="63000"/>
+                <a:satMod val="120000"/>
+              </a:schemeClr>
+            </a:gs>
+          </a:gsLst>
+          <a:lin ang="5400000" scaled="0"/>
+        </a:gradFill>
+      </a:bgFillStyleLst>
+    </a:fmtScheme>
+  </a:themeElements>
+  <a:objectDefaults/>
+  <a:extraClrSchemeLst/>
+  <a:extLst>
+    <a:ext uri="{05A4C25C-085E-4340-85A3-A5531E510DB2}">
+      <thm15:themeFamily xmlns:thm15="http://schemas.microsoft.com/office/thememl/2012/main" name="Office Theme" id="{62F939B6-93AF-4DB8-9C6B-D6C7DFDC589F}" vid="{4A3C46E8-61CC-4603-A589-7422A47A8E4A}"/>
+    </a:ext>
+  </a:extLst>
+</a:theme>
 </file>
--- a/设计图.pptx
+++ b/设计图.pptx
@@ -203,7 +203,7 @@
           <a:p>
             <a:fld id="{44E51C7C-42C9-45DC-8060-558AC40D4D17}" type="datetimeFigureOut">
               <a:rPr lang="zh-CN" altLang="en-US" smtClean="0"/>
-              <a:t>2020/5/29</a:t>
+              <a:t>2020/7/8</a:t>
             </a:fld>
             <a:endParaRPr lang="zh-CN" altLang="en-US"/>
           </a:p>
@@ -701,7 +701,7 @@
           <a:p>
             <a:fld id="{8DD50AB3-54C0-4202-A47C-DF7CF0AA53D4}" type="datetimeFigureOut">
               <a:rPr lang="zh-CN" altLang="en-US" smtClean="0"/>
-              <a:t>2020/5/29</a:t>
+              <a:t>2020/7/8</a:t>
             </a:fld>
             <a:endParaRPr lang="zh-CN" altLang="en-US"/>
           </a:p>
@@ -899,7 +899,7 @@
           <a:p>
             <a:fld id="{8DD50AB3-54C0-4202-A47C-DF7CF0AA53D4}" type="datetimeFigureOut">
               <a:rPr lang="zh-CN" altLang="en-US" smtClean="0"/>
-              <a:t>2020/5/29</a:t>
+              <a:t>2020/7/8</a:t>
             </a:fld>
             <a:endParaRPr lang="zh-CN" altLang="en-US"/>
           </a:p>
@@ -1107,7 +1107,7 @@
           <a:p>
             <a:fld id="{8DD50AB3-54C0-4202-A47C-DF7CF0AA53D4}" type="datetimeFigureOut">
               <a:rPr lang="zh-CN" altLang="en-US" smtClean="0"/>
-              <a:t>2020/5/29</a:t>
+              <a:t>2020/7/8</a:t>
             </a:fld>
             <a:endParaRPr lang="zh-CN" altLang="en-US"/>
           </a:p>
@@ -1305,7 +1305,7 @@
           <a:p>
             <a:fld id="{8DD50AB3-54C0-4202-A47C-DF7CF0AA53D4}" type="datetimeFigureOut">
               <a:rPr lang="zh-CN" altLang="en-US" smtClean="0"/>
-              <a:t>2020/5/29</a:t>
+              <a:t>2020/7/8</a:t>
             </a:fld>
             <a:endParaRPr lang="zh-CN" altLang="en-US"/>
           </a:p>
@@ -1580,7 +1580,7 @@
           <a:p>
             <a:fld id="{8DD50AB3-54C0-4202-A47C-DF7CF0AA53D4}" type="datetimeFigureOut">
               <a:rPr lang="zh-CN" altLang="en-US" smtClean="0"/>
-              <a:t>2020/5/29</a:t>
+              <a:t>2020/7/8</a:t>
             </a:fld>
             <a:endParaRPr lang="zh-CN" altLang="en-US"/>
           </a:p>
@@ -1845,7 +1845,7 @@
           <a:p>
             <a:fld id="{8DD50AB3-54C0-4202-A47C-DF7CF0AA53D4}" type="datetimeFigureOut">
               <a:rPr lang="zh-CN" altLang="en-US" smtClean="0"/>
-              <a:t>2020/5/29</a:t>
+              <a:t>2020/7/8</a:t>
             </a:fld>
             <a:endParaRPr lang="zh-CN" altLang="en-US"/>
           </a:p>
@@ -2257,7 +2257,7 @@
           <a:p>
             <a:fld id="{8DD50AB3-54C0-4202-A47C-DF7CF0AA53D4}" type="datetimeFigureOut">
               <a:rPr lang="zh-CN" altLang="en-US" smtClean="0"/>
-              <a:t>2020/5/29</a:t>
+              <a:t>2020/7/8</a:t>
             </a:fld>
             <a:endParaRPr lang="zh-CN" altLang="en-US"/>
           </a:p>
@@ -2398,7 +2398,7 @@
           <a:p>
             <a:fld id="{8DD50AB3-54C0-4202-A47C-DF7CF0AA53D4}" type="datetimeFigureOut">
               <a:rPr lang="zh-CN" altLang="en-US" smtClean="0"/>
-              <a:t>2020/5/29</a:t>
+              <a:t>2020/7/8</a:t>
             </a:fld>
             <a:endParaRPr lang="zh-CN" altLang="en-US"/>
           </a:p>
@@ -2511,7 +2511,7 @@
           <a:p>
             <a:fld id="{8DD50AB3-54C0-4202-A47C-DF7CF0AA53D4}" type="datetimeFigureOut">
               <a:rPr lang="zh-CN" altLang="en-US" smtClean="0"/>
-              <a:t>2020/5/29</a:t>
+              <a:t>2020/7/8</a:t>
             </a:fld>
             <a:endParaRPr lang="zh-CN" altLang="en-US"/>
           </a:p>
@@ -2822,7 +2822,7 @@
           <a:p>
             <a:fld id="{8DD50AB3-54C0-4202-A47C-DF7CF0AA53D4}" type="datetimeFigureOut">
               <a:rPr lang="zh-CN" altLang="en-US" smtClean="0"/>
-              <a:t>2020/5/29</a:t>
+              <a:t>2020/7/8</a:t>
             </a:fld>
             <a:endParaRPr lang="zh-CN" altLang="en-US"/>
           </a:p>
@@ -3110,7 +3110,7 @@
           <a:p>
             <a:fld id="{8DD50AB3-54C0-4202-A47C-DF7CF0AA53D4}" type="datetimeFigureOut">
               <a:rPr lang="zh-CN" altLang="en-US" smtClean="0"/>
-              <a:t>2020/5/29</a:t>
+              <a:t>2020/7/8</a:t>
             </a:fld>
             <a:endParaRPr lang="zh-CN" altLang="en-US"/>
           </a:p>
@@ -3351,7 +3351,7 @@
           <a:p>
             <a:fld id="{8DD50AB3-54C0-4202-A47C-DF7CF0AA53D4}" type="datetimeFigureOut">
               <a:rPr lang="zh-CN" altLang="en-US" smtClean="0"/>
-              <a:t>2020/5/29</a:t>
+              <a:t>2020/7/8</a:t>
             </a:fld>
             <a:endParaRPr lang="zh-CN" altLang="en-US"/>
           </a:p>
@@ -4379,13 +4379,13 @@
               </a:ext>
             </a:extLst>
           </a:blip>
-          <a:srcRect l="10316" t="14370" r="10316" b="6001"/>
+          <a:srcRect l="10316" t="14370" r="10316" b="54074"/>
           <a:stretch/>
         </p:blipFill>
         <p:spPr>
           <a:xfrm>
-            <a:off x="16" y="4"/>
-            <a:ext cx="12191984" cy="6857991"/>
+            <a:off x="16" y="5"/>
+            <a:ext cx="12191984" cy="2717796"/>
           </a:xfrm>
           <a:prstGeom prst="rect">
             <a:avLst/>
